--- a/Experiments/Arduino/04_RGB_LED/ppt/01_rgb.pptx
+++ b/Experiments/Arduino/04_RGB_LED/ppt/01_rgb.pptx
@@ -7,7 +7,7 @@
     <p:sldMasterId id="2147483653" r:id="rId3"/>
   </p:sldMasterIdLst>
   <p:notesMasterIdLst>
-    <p:notesMasterId r:id="rId17"/>
+    <p:notesMasterId r:id="rId19"/>
   </p:notesMasterIdLst>
   <p:sldIdLst>
     <p:sldId id="256" r:id="rId4"/>
@@ -19,10 +19,12 @@
     <p:sldId id="308" r:id="rId10"/>
     <p:sldId id="306" r:id="rId11"/>
     <p:sldId id="323" r:id="rId12"/>
-    <p:sldId id="309" r:id="rId13"/>
-    <p:sldId id="324" r:id="rId14"/>
-    <p:sldId id="325" r:id="rId15"/>
-    <p:sldId id="326" r:id="rId16"/>
+    <p:sldId id="327" r:id="rId13"/>
+    <p:sldId id="328" r:id="rId14"/>
+    <p:sldId id="309" r:id="rId15"/>
+    <p:sldId id="324" r:id="rId16"/>
+    <p:sldId id="325" r:id="rId17"/>
+    <p:sldId id="326" r:id="rId18"/>
   </p:sldIdLst>
   <p:sldSz cx="9144000" cy="5143500" type="screen16x9"/>
   <p:notesSz cx="6858000" cy="9144000"/>
@@ -222,7 +224,7 @@
           <a:p>
             <a:fld id="{4D4CD106-0280-324C-A42B-4E18AB917999}" type="datetimeFigureOut">
               <a:rPr lang="cs-CZ" smtClean="0"/>
-              <a:t>04.03.18</a:t>
+              <a:t>09.01.19</a:t>
             </a:fld>
             <a:endParaRPr lang="cs-CZ"/>
           </a:p>
@@ -6863,6 +6865,1263 @@
       </p:grpSpPr>
       <p:sp>
         <p:nvSpPr>
+          <p:cNvPr id="14" name="Rectangle 13"/>
+          <p:cNvSpPr/>
+          <p:nvPr/>
+        </p:nvSpPr>
+        <p:spPr>
+          <a:xfrm>
+            <a:off x="-36512" y="0"/>
+            <a:ext cx="2016224" cy="5143500"/>
+          </a:xfrm>
+          <a:prstGeom prst="rect">
+            <a:avLst/>
+          </a:prstGeom>
+          <a:solidFill>
+            <a:schemeClr val="accent1"/>
+          </a:solidFill>
+          <a:ln>
+            <a:noFill/>
+          </a:ln>
+        </p:spPr>
+        <p:style>
+          <a:lnRef idx="2">
+            <a:schemeClr val="accent1">
+              <a:shade val="50000"/>
+            </a:schemeClr>
+          </a:lnRef>
+          <a:fillRef idx="1">
+            <a:schemeClr val="accent1"/>
+          </a:fillRef>
+          <a:effectRef idx="0">
+            <a:schemeClr val="accent1"/>
+          </a:effectRef>
+          <a:fontRef idx="minor">
+            <a:schemeClr val="lt1"/>
+          </a:fontRef>
+        </p:style>
+        <p:txBody>
+          <a:bodyPr rtlCol="0" anchor="ctr"/>
+          <a:lstStyle/>
+          <a:p>
+            <a:pPr algn="ctr"/>
+            <a:endParaRPr lang="ko-KR" altLang="en-US"/>
+          </a:p>
+        </p:txBody>
+      </p:sp>
+      <p:sp>
+        <p:nvSpPr>
+          <p:cNvPr id="20" name="Text Placeholder 1"/>
+          <p:cNvSpPr txBox="1">
+            <a:spLocks/>
+          </p:cNvSpPr>
+          <p:nvPr/>
+        </p:nvSpPr>
+        <p:spPr>
+          <a:xfrm>
+            <a:off x="-36512" y="555526"/>
+            <a:ext cx="1980220" cy="1440408"/>
+          </a:xfrm>
+          <a:prstGeom prst="rect">
+            <a:avLst/>
+          </a:prstGeom>
+        </p:spPr>
+        <p:txBody>
+          <a:bodyPr/>
+          <a:lstStyle>
+            <a:lvl1pPr marL="342900" indent="-342900" algn="l" defTabSz="914400" rtl="0" eaLnBrk="1" latinLnBrk="1" hangingPunct="1">
+              <a:spcBef>
+                <a:spcPct val="20000"/>
+              </a:spcBef>
+              <a:buFont typeface="Arial" pitchFamily="34" charset="0"/>
+              <a:buChar char="•"/>
+              <a:defRPr sz="3200" kern="1200">
+                <a:solidFill>
+                  <a:schemeClr val="tx1"/>
+                </a:solidFill>
+                <a:latin typeface="+mn-lt"/>
+                <a:ea typeface="+mn-ea"/>
+                <a:cs typeface="+mn-cs"/>
+              </a:defRPr>
+            </a:lvl1pPr>
+            <a:lvl2pPr marL="742950" indent="-285750" algn="l" defTabSz="914400" rtl="0" eaLnBrk="1" latinLnBrk="1" hangingPunct="1">
+              <a:spcBef>
+                <a:spcPct val="20000"/>
+              </a:spcBef>
+              <a:buFont typeface="Arial" pitchFamily="34" charset="0"/>
+              <a:buChar char="–"/>
+              <a:defRPr sz="2800" kern="1200">
+                <a:solidFill>
+                  <a:schemeClr val="tx1"/>
+                </a:solidFill>
+                <a:latin typeface="+mn-lt"/>
+                <a:ea typeface="+mn-ea"/>
+                <a:cs typeface="+mn-cs"/>
+              </a:defRPr>
+            </a:lvl2pPr>
+            <a:lvl3pPr marL="1143000" indent="-228600" algn="l" defTabSz="914400" rtl="0" eaLnBrk="1" latinLnBrk="1" hangingPunct="1">
+              <a:spcBef>
+                <a:spcPct val="20000"/>
+              </a:spcBef>
+              <a:buFont typeface="Arial" pitchFamily="34" charset="0"/>
+              <a:buChar char="•"/>
+              <a:defRPr sz="2400" kern="1200">
+                <a:solidFill>
+                  <a:schemeClr val="tx1"/>
+                </a:solidFill>
+                <a:latin typeface="+mn-lt"/>
+                <a:ea typeface="+mn-ea"/>
+                <a:cs typeface="+mn-cs"/>
+              </a:defRPr>
+            </a:lvl3pPr>
+            <a:lvl4pPr marL="1600200" indent="-228600" algn="l" defTabSz="914400" rtl="0" eaLnBrk="1" latinLnBrk="1" hangingPunct="1">
+              <a:spcBef>
+                <a:spcPct val="20000"/>
+              </a:spcBef>
+              <a:buFont typeface="Arial" pitchFamily="34" charset="0"/>
+              <a:buChar char="–"/>
+              <a:defRPr sz="2000" kern="1200">
+                <a:solidFill>
+                  <a:schemeClr val="tx1"/>
+                </a:solidFill>
+                <a:latin typeface="+mn-lt"/>
+                <a:ea typeface="+mn-ea"/>
+                <a:cs typeface="+mn-cs"/>
+              </a:defRPr>
+            </a:lvl4pPr>
+            <a:lvl5pPr marL="2057400" indent="-228600" algn="l" defTabSz="914400" rtl="0" eaLnBrk="1" latinLnBrk="1" hangingPunct="1">
+              <a:spcBef>
+                <a:spcPct val="20000"/>
+              </a:spcBef>
+              <a:buFont typeface="Arial" pitchFamily="34" charset="0"/>
+              <a:buChar char="»"/>
+              <a:defRPr sz="2000" kern="1200">
+                <a:solidFill>
+                  <a:schemeClr val="tx1"/>
+                </a:solidFill>
+                <a:latin typeface="+mn-lt"/>
+                <a:ea typeface="+mn-ea"/>
+                <a:cs typeface="+mn-cs"/>
+              </a:defRPr>
+            </a:lvl5pPr>
+            <a:lvl6pPr marL="2514600" indent="-228600" algn="l" defTabSz="914400" rtl="0" eaLnBrk="1" latinLnBrk="1" hangingPunct="1">
+              <a:spcBef>
+                <a:spcPct val="20000"/>
+              </a:spcBef>
+              <a:buFont typeface="Arial" pitchFamily="34" charset="0"/>
+              <a:buChar char="•"/>
+              <a:defRPr sz="2000" kern="1200">
+                <a:solidFill>
+                  <a:schemeClr val="tx1"/>
+                </a:solidFill>
+                <a:latin typeface="+mn-lt"/>
+                <a:ea typeface="+mn-ea"/>
+                <a:cs typeface="+mn-cs"/>
+              </a:defRPr>
+            </a:lvl6pPr>
+            <a:lvl7pPr marL="2971800" indent="-228600" algn="l" defTabSz="914400" rtl="0" eaLnBrk="1" latinLnBrk="1" hangingPunct="1">
+              <a:spcBef>
+                <a:spcPct val="20000"/>
+              </a:spcBef>
+              <a:buFont typeface="Arial" pitchFamily="34" charset="0"/>
+              <a:buChar char="•"/>
+              <a:defRPr sz="2000" kern="1200">
+                <a:solidFill>
+                  <a:schemeClr val="tx1"/>
+                </a:solidFill>
+                <a:latin typeface="+mn-lt"/>
+                <a:ea typeface="+mn-ea"/>
+                <a:cs typeface="+mn-cs"/>
+              </a:defRPr>
+            </a:lvl7pPr>
+            <a:lvl8pPr marL="3429000" indent="-228600" algn="l" defTabSz="914400" rtl="0" eaLnBrk="1" latinLnBrk="1" hangingPunct="1">
+              <a:spcBef>
+                <a:spcPct val="20000"/>
+              </a:spcBef>
+              <a:buFont typeface="Arial" pitchFamily="34" charset="0"/>
+              <a:buChar char="•"/>
+              <a:defRPr sz="2000" kern="1200">
+                <a:solidFill>
+                  <a:schemeClr val="tx1"/>
+                </a:solidFill>
+                <a:latin typeface="+mn-lt"/>
+                <a:ea typeface="+mn-ea"/>
+                <a:cs typeface="+mn-cs"/>
+              </a:defRPr>
+            </a:lvl8pPr>
+            <a:lvl9pPr marL="3886200" indent="-228600" algn="l" defTabSz="914400" rtl="0" eaLnBrk="1" latinLnBrk="1" hangingPunct="1">
+              <a:spcBef>
+                <a:spcPct val="20000"/>
+              </a:spcBef>
+              <a:buFont typeface="Arial" pitchFamily="34" charset="0"/>
+              <a:buChar char="•"/>
+              <a:defRPr sz="2000" kern="1200">
+                <a:solidFill>
+                  <a:schemeClr val="tx1"/>
+                </a:solidFill>
+                <a:latin typeface="+mn-lt"/>
+                <a:ea typeface="+mn-ea"/>
+                <a:cs typeface="+mn-cs"/>
+              </a:defRPr>
+            </a:lvl9pPr>
+          </a:lstStyle>
+          <a:p>
+            <a:pPr marL="0" indent="0" algn="r">
+              <a:buNone/>
+            </a:pPr>
+            <a:r>
+              <a:rPr lang="en-US" altLang="ko-KR" sz="1800" b="1" dirty="0" smtClean="0">
+                <a:solidFill>
+                  <a:schemeClr val="bg1"/>
+                </a:solidFill>
+                <a:latin typeface="Andale Mono" charset="0"/>
+                <a:ea typeface="Andale Mono" charset="0"/>
+                <a:cs typeface="Andale Mono" charset="0"/>
+              </a:rPr>
+              <a:t>Co </a:t>
+            </a:r>
+            <a:r>
+              <a:rPr lang="en-US" altLang="ko-KR" sz="1800" b="1" dirty="0" err="1" smtClean="0">
+                <a:solidFill>
+                  <a:schemeClr val="bg1"/>
+                </a:solidFill>
+                <a:latin typeface="Andale Mono" charset="0"/>
+                <a:ea typeface="Andale Mono" charset="0"/>
+                <a:cs typeface="Andale Mono" charset="0"/>
+              </a:rPr>
+              <a:t>znamená</a:t>
+            </a:r>
+            <a:r>
+              <a:rPr lang="en-US" altLang="ko-KR" sz="1800" b="1" dirty="0" smtClean="0">
+                <a:solidFill>
+                  <a:schemeClr val="bg1"/>
+                </a:solidFill>
+                <a:latin typeface="Andale Mono" charset="0"/>
+                <a:ea typeface="Andale Mono" charset="0"/>
+                <a:cs typeface="Andale Mono" charset="0"/>
+              </a:rPr>
+              <a:t> PWM?</a:t>
+            </a:r>
+            <a:endParaRPr lang="ko-KR" altLang="en-US" sz="1800" b="1" dirty="0">
+              <a:solidFill>
+                <a:schemeClr val="bg1"/>
+              </a:solidFill>
+              <a:latin typeface="Andale Mono" charset="0"/>
+              <a:ea typeface="Andale Mono" charset="0"/>
+              <a:cs typeface="Andale Mono" charset="0"/>
+            </a:endParaRPr>
+          </a:p>
+        </p:txBody>
+      </p:sp>
+      <p:grpSp>
+        <p:nvGrpSpPr>
+          <p:cNvPr id="8" name="Skupina 7"/>
+          <p:cNvGrpSpPr/>
+          <p:nvPr/>
+        </p:nvGrpSpPr>
+        <p:grpSpPr>
+          <a:xfrm>
+            <a:off x="395536" y="4659804"/>
+            <a:ext cx="1416811" cy="432226"/>
+            <a:chOff x="7524328" y="199433"/>
+            <a:chExt cx="1416811" cy="432226"/>
+          </a:xfrm>
+        </p:grpSpPr>
+        <p:pic>
+          <p:nvPicPr>
+            <p:cNvPr id="9" name="Obrázek 8"/>
+            <p:cNvPicPr>
+              <a:picLocks noChangeAspect="1"/>
+            </p:cNvPicPr>
+            <p:nvPr/>
+          </p:nvPicPr>
+          <p:blipFill>
+            <a:blip r:embed="rId2">
+              <a:lum bright="70000" contrast="-70000"/>
+              <a:extLst>
+                <a:ext uri="{BEBA8EAE-BF5A-486C-A8C5-ECC9F3942E4B}">
+                  <a14:imgProps xmlns:a14="http://schemas.microsoft.com/office/drawing/2010/main">
+                    <a14:imgLayer r:embed="rId3">
+                      <a14:imgEffect>
+                        <a14:colorTemperature colorTemp="1500"/>
+                      </a14:imgEffect>
+                      <a14:imgEffect>
+                        <a14:saturation sat="0"/>
+                      </a14:imgEffect>
+                    </a14:imgLayer>
+                  </a14:imgProps>
+                </a:ext>
+              </a:extLst>
+            </a:blip>
+            <a:stretch>
+              <a:fillRect/>
+            </a:stretch>
+          </p:blipFill>
+          <p:spPr>
+            <a:xfrm>
+              <a:off x="8411772" y="199433"/>
+              <a:ext cx="529367" cy="360218"/>
+            </a:xfrm>
+            <a:prstGeom prst="rect">
+              <a:avLst/>
+            </a:prstGeom>
+          </p:spPr>
+        </p:pic>
+        <p:sp>
+          <p:nvSpPr>
+            <p:cNvPr id="10" name="TextovéPole 9"/>
+            <p:cNvSpPr txBox="1"/>
+            <p:nvPr/>
+          </p:nvSpPr>
+          <p:spPr>
+            <a:xfrm>
+              <a:off x="7524328" y="416215"/>
+              <a:ext cx="915635" cy="215444"/>
+            </a:xfrm>
+            <a:prstGeom prst="rect">
+              <a:avLst/>
+            </a:prstGeom>
+            <a:noFill/>
+          </p:spPr>
+          <p:txBody>
+            <a:bodyPr wrap="none" rtlCol="0">
+              <a:spAutoFit/>
+            </a:bodyPr>
+            <a:lstStyle/>
+            <a:p>
+              <a:r>
+                <a:rPr lang="cs-CZ" sz="800" b="1" smtClean="0">
+                  <a:solidFill>
+                    <a:schemeClr val="bg1"/>
+                  </a:solidFill>
+                  <a:latin typeface="Andale Mono" charset="0"/>
+                  <a:ea typeface="Andale Mono" charset="0"/>
+                  <a:cs typeface="Andale Mono" charset="0"/>
+                </a:rPr>
+                <a:t>PROGRAMOVÁNÍ</a:t>
+              </a:r>
+              <a:endParaRPr lang="cs-CZ" sz="800" b="1" dirty="0">
+                <a:solidFill>
+                  <a:schemeClr val="bg1"/>
+                </a:solidFill>
+                <a:latin typeface="Andale Mono" charset="0"/>
+                <a:ea typeface="Andale Mono" charset="0"/>
+                <a:cs typeface="Andale Mono" charset="0"/>
+              </a:endParaRPr>
+            </a:p>
+          </p:txBody>
+        </p:sp>
+      </p:grpSp>
+      <p:sp>
+        <p:nvSpPr>
+          <p:cNvPr id="18" name="TextovéPole 17"/>
+          <p:cNvSpPr txBox="1"/>
+          <p:nvPr/>
+        </p:nvSpPr>
+        <p:spPr>
+          <a:xfrm>
+            <a:off x="2483768" y="483518"/>
+            <a:ext cx="5976664" cy="338554"/>
+          </a:xfrm>
+          <a:prstGeom prst="rect">
+            <a:avLst/>
+          </a:prstGeom>
+          <a:noFill/>
+        </p:spPr>
+        <p:txBody>
+          <a:bodyPr wrap="square" rtlCol="0">
+            <a:spAutoFit/>
+          </a:bodyPr>
+          <a:lstStyle/>
+          <a:p>
+            <a:pPr latinLnBrk="0" hangingPunct="0"/>
+            <a:r>
+              <a:rPr lang="cs-CZ" sz="1600" dirty="0" smtClean="0">
+                <a:solidFill>
+                  <a:srgbClr val="AB7942"/>
+                </a:solidFill>
+                <a:latin typeface="Andale Mono" charset="0"/>
+                <a:ea typeface="Andale Mono" charset="0"/>
+                <a:cs typeface="Andale Mono" charset="0"/>
+              </a:rPr>
+              <a:t>Pulsně šířková modulace</a:t>
+            </a:r>
+            <a:endParaRPr lang="cs-CZ" sz="1600" dirty="0">
+              <a:solidFill>
+                <a:srgbClr val="AB7942"/>
+              </a:solidFill>
+              <a:latin typeface="Andale Mono" charset="0"/>
+              <a:ea typeface="Andale Mono" charset="0"/>
+              <a:cs typeface="Andale Mono" charset="0"/>
+            </a:endParaRPr>
+          </a:p>
+        </p:txBody>
+      </p:sp>
+      <p:sp>
+        <p:nvSpPr>
+          <p:cNvPr id="11" name="TextovéPole 10"/>
+          <p:cNvSpPr txBox="1"/>
+          <p:nvPr/>
+        </p:nvSpPr>
+        <p:spPr>
+          <a:xfrm>
+            <a:off x="2486192" y="1203598"/>
+            <a:ext cx="5242164" cy="2308324"/>
+          </a:xfrm>
+          <a:prstGeom prst="rect">
+            <a:avLst/>
+          </a:prstGeom>
+          <a:noFill/>
+        </p:spPr>
+        <p:txBody>
+          <a:bodyPr wrap="square" rtlCol="0">
+            <a:spAutoFit/>
+          </a:bodyPr>
+          <a:lstStyle/>
+          <a:p>
+            <a:pPr latinLnBrk="0" hangingPunct="0"/>
+            <a:r>
+              <a:rPr lang="cs-CZ" sz="1200" dirty="0" smtClean="0">
+                <a:latin typeface="Andale Mono" charset="0"/>
+                <a:ea typeface="Andale Mono" charset="0"/>
+                <a:cs typeface="Andale Mono" charset="0"/>
+              </a:rPr>
+              <a:t>Z </a:t>
+            </a:r>
+            <a:r>
+              <a:rPr lang="cs-CZ" sz="1200" dirty="0">
+                <a:latin typeface="Andale Mono" charset="0"/>
+                <a:ea typeface="Andale Mono" charset="0"/>
+                <a:cs typeface="Andale Mono" charset="0"/>
+              </a:rPr>
+              <a:t>anglického Pulse </a:t>
+            </a:r>
+            <a:r>
+              <a:rPr lang="cs-CZ" sz="1200" dirty="0" err="1">
+                <a:latin typeface="Andale Mono" charset="0"/>
+                <a:ea typeface="Andale Mono" charset="0"/>
+                <a:cs typeface="Andale Mono" charset="0"/>
+              </a:rPr>
+              <a:t>Width</a:t>
+            </a:r>
+            <a:r>
+              <a:rPr lang="cs-CZ" sz="1200" dirty="0">
+                <a:latin typeface="Andale Mono" charset="0"/>
+                <a:ea typeface="Andale Mono" charset="0"/>
+                <a:cs typeface="Andale Mono" charset="0"/>
+              </a:rPr>
+              <a:t> </a:t>
+            </a:r>
+            <a:r>
+              <a:rPr lang="cs-CZ" sz="1200" dirty="0" err="1">
+                <a:latin typeface="Andale Mono" charset="0"/>
+                <a:ea typeface="Andale Mono" charset="0"/>
+                <a:cs typeface="Andale Mono" charset="0"/>
+              </a:rPr>
+              <a:t>Modulation</a:t>
+            </a:r>
+            <a:r>
+              <a:rPr lang="cs-CZ" sz="1200" dirty="0">
+                <a:latin typeface="Andale Mono" charset="0"/>
+                <a:ea typeface="Andale Mono" charset="0"/>
+                <a:cs typeface="Andale Mono" charset="0"/>
+              </a:rPr>
+              <a:t> se používá všeobecně známá zkratka PWM. </a:t>
+            </a:r>
+            <a:endParaRPr lang="cs-CZ" sz="1200" dirty="0" smtClean="0">
+              <a:latin typeface="Andale Mono" charset="0"/>
+              <a:ea typeface="Andale Mono" charset="0"/>
+              <a:cs typeface="Andale Mono" charset="0"/>
+            </a:endParaRPr>
+          </a:p>
+          <a:p>
+            <a:pPr latinLnBrk="0" hangingPunct="0"/>
+            <a:endParaRPr lang="cs-CZ" sz="1200" dirty="0" smtClean="0">
+              <a:latin typeface="Andale Mono" charset="0"/>
+              <a:ea typeface="Andale Mono" charset="0"/>
+              <a:cs typeface="Andale Mono" charset="0"/>
+            </a:endParaRPr>
+          </a:p>
+          <a:p>
+            <a:pPr latinLnBrk="0" hangingPunct="0"/>
+            <a:r>
+              <a:rPr lang="cs-CZ" sz="1200" dirty="0" smtClean="0">
+                <a:latin typeface="Andale Mono" charset="0"/>
+                <a:ea typeface="Andale Mono" charset="0"/>
+                <a:cs typeface="Andale Mono" charset="0"/>
+              </a:rPr>
+              <a:t>Při </a:t>
+            </a:r>
+            <a:r>
+              <a:rPr lang="cs-CZ" sz="1200" dirty="0">
+                <a:latin typeface="Andale Mono" charset="0"/>
+                <a:ea typeface="Andale Mono" charset="0"/>
+                <a:cs typeface="Andale Mono" charset="0"/>
+              </a:rPr>
+              <a:t>ovládání jasu diody PWM velmi rychle přepíná na výstupu pinů hodnoty s logickou nulou (0V) a logickou jedničkou (+5V). To se děje v určitém čase. Tyto změny jsou tak rychlé, že je lidské oko nedokáže díky své setrvačnosti zachytit. </a:t>
+            </a:r>
+            <a:endParaRPr lang="cs-CZ" sz="1200" dirty="0" smtClean="0">
+              <a:latin typeface="Andale Mono" charset="0"/>
+              <a:ea typeface="Andale Mono" charset="0"/>
+              <a:cs typeface="Andale Mono" charset="0"/>
+            </a:endParaRPr>
+          </a:p>
+          <a:p>
+            <a:pPr latinLnBrk="0" hangingPunct="0"/>
+            <a:endParaRPr lang="cs-CZ" sz="1200" dirty="0">
+              <a:latin typeface="Andale Mono" charset="0"/>
+              <a:ea typeface="Andale Mono" charset="0"/>
+              <a:cs typeface="Andale Mono" charset="0"/>
+            </a:endParaRPr>
+          </a:p>
+          <a:p>
+            <a:pPr latinLnBrk="0" hangingPunct="0"/>
+            <a:r>
+              <a:rPr lang="cs-CZ" sz="1200" dirty="0" smtClean="0">
+                <a:latin typeface="Andale Mono" charset="0"/>
+                <a:ea typeface="Andale Mono" charset="0"/>
+                <a:cs typeface="Andale Mono" charset="0"/>
+              </a:rPr>
+              <a:t>Z </a:t>
+            </a:r>
+            <a:r>
+              <a:rPr lang="cs-CZ" sz="1200" dirty="0">
+                <a:latin typeface="Andale Mono" charset="0"/>
+                <a:ea typeface="Andale Mono" charset="0"/>
+                <a:cs typeface="Andale Mono" charset="0"/>
+              </a:rPr>
+              <a:t>poměru času, ve kterém je na výstupu +5V ku stavu 0V se pak odvíjí intenzita svícení LED diody nebo rychlost otáčení motoru</a:t>
+            </a:r>
+            <a:endParaRPr lang="cs-CZ" sz="1200" dirty="0">
+              <a:latin typeface="Andale Mono" charset="0"/>
+              <a:ea typeface="Andale Mono" charset="0"/>
+              <a:cs typeface="Andale Mono" charset="0"/>
+            </a:endParaRPr>
+          </a:p>
+        </p:txBody>
+      </p:sp>
+    </p:spTree>
+    <p:extLst>
+      <p:ext uri="{BB962C8B-B14F-4D97-AF65-F5344CB8AC3E}">
+        <p14:creationId xmlns:p14="http://schemas.microsoft.com/office/powerpoint/2010/main" val="1229896549"/>
+      </p:ext>
+    </p:extLst>
+  </p:cSld>
+  <p:clrMapOvr>
+    <a:masterClrMapping/>
+  </p:clrMapOvr>
+  <p:timing>
+    <p:tnLst>
+      <p:par>
+        <p:cTn id="1" dur="indefinite" restart="never" nodeType="tmRoot">
+          <p:childTnLst>
+            <p:seq concurrent="1" nextAc="seek">
+              <p:cTn id="2" dur="indefinite" nodeType="mainSeq">
+                <p:childTnLst>
+                  <p:par>
+                    <p:cTn id="3" fill="hold">
+                      <p:stCondLst>
+                        <p:cond delay="indefinite"/>
+                      </p:stCondLst>
+                      <p:childTnLst>
+                        <p:par>
+                          <p:cTn id="4" fill="hold">
+                            <p:stCondLst>
+                              <p:cond delay="0"/>
+                            </p:stCondLst>
+                            <p:childTnLst>
+                              <p:par>
+                                <p:cTn id="5" presetID="3" presetClass="entr" presetSubtype="10" fill="hold" grpId="0" nodeType="clickEffect">
+                                  <p:stCondLst>
+                                    <p:cond delay="0"/>
+                                  </p:stCondLst>
+                                  <p:childTnLst>
+                                    <p:set>
+                                      <p:cBhvr>
+                                        <p:cTn id="6" dur="1" fill="hold">
+                                          <p:stCondLst>
+                                            <p:cond delay="0"/>
+                                          </p:stCondLst>
+                                        </p:cTn>
+                                        <p:tgtEl>
+                                          <p:spTgt spid="11"/>
+                                        </p:tgtEl>
+                                        <p:attrNameLst>
+                                          <p:attrName>style.visibility</p:attrName>
+                                        </p:attrNameLst>
+                                      </p:cBhvr>
+                                      <p:to>
+                                        <p:strVal val="visible"/>
+                                      </p:to>
+                                    </p:set>
+                                    <p:animEffect transition="in" filter="blinds(horizontal)">
+                                      <p:cBhvr>
+                                        <p:cTn id="7" dur="500"/>
+                                        <p:tgtEl>
+                                          <p:spTgt spid="11"/>
+                                        </p:tgtEl>
+                                      </p:cBhvr>
+                                    </p:animEffect>
+                                  </p:childTnLst>
+                                </p:cTn>
+                              </p:par>
+                            </p:childTnLst>
+                          </p:cTn>
+                        </p:par>
+                      </p:childTnLst>
+                    </p:cTn>
+                  </p:par>
+                </p:childTnLst>
+              </p:cTn>
+              <p:prevCondLst>
+                <p:cond evt="onPrev" delay="0">
+                  <p:tgtEl>
+                    <p:sldTgt/>
+                  </p:tgtEl>
+                </p:cond>
+              </p:prevCondLst>
+              <p:nextCondLst>
+                <p:cond evt="onNext" delay="0">
+                  <p:tgtEl>
+                    <p:sldTgt/>
+                  </p:tgtEl>
+                </p:cond>
+              </p:nextCondLst>
+            </p:seq>
+          </p:childTnLst>
+        </p:cTn>
+      </p:par>
+    </p:tnLst>
+    <p:bldLst>
+      <p:bldP spid="11" grpId="0"/>
+    </p:bldLst>
+  </p:timing>
+</p:sld>
+</file>
+
+<file path=ppt/slides/slide11.xml><?xml version="1.0" encoding="utf-8"?>
+<p:sld xmlns:a="http://schemas.openxmlformats.org/drawingml/2006/main" xmlns:r="http://schemas.openxmlformats.org/officeDocument/2006/relationships" xmlns:p="http://schemas.openxmlformats.org/presentationml/2006/main">
+  <p:cSld>
+    <p:spTree>
+      <p:nvGrpSpPr>
+        <p:cNvPr id="1" name=""/>
+        <p:cNvGrpSpPr/>
+        <p:nvPr/>
+      </p:nvGrpSpPr>
+      <p:grpSpPr>
+        <a:xfrm>
+          <a:off x="0" y="0"/>
+          <a:ext cx="0" cy="0"/>
+          <a:chOff x="0" y="0"/>
+          <a:chExt cx="0" cy="0"/>
+        </a:xfrm>
+      </p:grpSpPr>
+      <p:sp>
+        <p:nvSpPr>
+          <p:cNvPr id="14" name="Rectangle 13"/>
+          <p:cNvSpPr/>
+          <p:nvPr/>
+        </p:nvSpPr>
+        <p:spPr>
+          <a:xfrm>
+            <a:off x="-36512" y="0"/>
+            <a:ext cx="2016224" cy="5143500"/>
+          </a:xfrm>
+          <a:prstGeom prst="rect">
+            <a:avLst/>
+          </a:prstGeom>
+          <a:solidFill>
+            <a:schemeClr val="accent1"/>
+          </a:solidFill>
+          <a:ln>
+            <a:noFill/>
+          </a:ln>
+        </p:spPr>
+        <p:style>
+          <a:lnRef idx="2">
+            <a:schemeClr val="accent1">
+              <a:shade val="50000"/>
+            </a:schemeClr>
+          </a:lnRef>
+          <a:fillRef idx="1">
+            <a:schemeClr val="accent1"/>
+          </a:fillRef>
+          <a:effectRef idx="0">
+            <a:schemeClr val="accent1"/>
+          </a:effectRef>
+          <a:fontRef idx="minor">
+            <a:schemeClr val="lt1"/>
+          </a:fontRef>
+        </p:style>
+        <p:txBody>
+          <a:bodyPr rtlCol="0" anchor="ctr"/>
+          <a:lstStyle/>
+          <a:p>
+            <a:pPr algn="ctr"/>
+            <a:endParaRPr lang="ko-KR" altLang="en-US"/>
+          </a:p>
+        </p:txBody>
+      </p:sp>
+      <p:sp>
+        <p:nvSpPr>
+          <p:cNvPr id="20" name="Text Placeholder 1"/>
+          <p:cNvSpPr txBox="1">
+            <a:spLocks/>
+          </p:cNvSpPr>
+          <p:nvPr/>
+        </p:nvSpPr>
+        <p:spPr>
+          <a:xfrm>
+            <a:off x="-36512" y="555526"/>
+            <a:ext cx="1980220" cy="1440408"/>
+          </a:xfrm>
+          <a:prstGeom prst="rect">
+            <a:avLst/>
+          </a:prstGeom>
+        </p:spPr>
+        <p:txBody>
+          <a:bodyPr/>
+          <a:lstStyle>
+            <a:lvl1pPr marL="342900" indent="-342900" algn="l" defTabSz="914400" rtl="0" eaLnBrk="1" latinLnBrk="1" hangingPunct="1">
+              <a:spcBef>
+                <a:spcPct val="20000"/>
+              </a:spcBef>
+              <a:buFont typeface="Arial" pitchFamily="34" charset="0"/>
+              <a:buChar char="•"/>
+              <a:defRPr sz="3200" kern="1200">
+                <a:solidFill>
+                  <a:schemeClr val="tx1"/>
+                </a:solidFill>
+                <a:latin typeface="+mn-lt"/>
+                <a:ea typeface="+mn-ea"/>
+                <a:cs typeface="+mn-cs"/>
+              </a:defRPr>
+            </a:lvl1pPr>
+            <a:lvl2pPr marL="742950" indent="-285750" algn="l" defTabSz="914400" rtl="0" eaLnBrk="1" latinLnBrk="1" hangingPunct="1">
+              <a:spcBef>
+                <a:spcPct val="20000"/>
+              </a:spcBef>
+              <a:buFont typeface="Arial" pitchFamily="34" charset="0"/>
+              <a:buChar char="–"/>
+              <a:defRPr sz="2800" kern="1200">
+                <a:solidFill>
+                  <a:schemeClr val="tx1"/>
+                </a:solidFill>
+                <a:latin typeface="+mn-lt"/>
+                <a:ea typeface="+mn-ea"/>
+                <a:cs typeface="+mn-cs"/>
+              </a:defRPr>
+            </a:lvl2pPr>
+            <a:lvl3pPr marL="1143000" indent="-228600" algn="l" defTabSz="914400" rtl="0" eaLnBrk="1" latinLnBrk="1" hangingPunct="1">
+              <a:spcBef>
+                <a:spcPct val="20000"/>
+              </a:spcBef>
+              <a:buFont typeface="Arial" pitchFamily="34" charset="0"/>
+              <a:buChar char="•"/>
+              <a:defRPr sz="2400" kern="1200">
+                <a:solidFill>
+                  <a:schemeClr val="tx1"/>
+                </a:solidFill>
+                <a:latin typeface="+mn-lt"/>
+                <a:ea typeface="+mn-ea"/>
+                <a:cs typeface="+mn-cs"/>
+              </a:defRPr>
+            </a:lvl3pPr>
+            <a:lvl4pPr marL="1600200" indent="-228600" algn="l" defTabSz="914400" rtl="0" eaLnBrk="1" latinLnBrk="1" hangingPunct="1">
+              <a:spcBef>
+                <a:spcPct val="20000"/>
+              </a:spcBef>
+              <a:buFont typeface="Arial" pitchFamily="34" charset="0"/>
+              <a:buChar char="–"/>
+              <a:defRPr sz="2000" kern="1200">
+                <a:solidFill>
+                  <a:schemeClr val="tx1"/>
+                </a:solidFill>
+                <a:latin typeface="+mn-lt"/>
+                <a:ea typeface="+mn-ea"/>
+                <a:cs typeface="+mn-cs"/>
+              </a:defRPr>
+            </a:lvl4pPr>
+            <a:lvl5pPr marL="2057400" indent="-228600" algn="l" defTabSz="914400" rtl="0" eaLnBrk="1" latinLnBrk="1" hangingPunct="1">
+              <a:spcBef>
+                <a:spcPct val="20000"/>
+              </a:spcBef>
+              <a:buFont typeface="Arial" pitchFamily="34" charset="0"/>
+              <a:buChar char="»"/>
+              <a:defRPr sz="2000" kern="1200">
+                <a:solidFill>
+                  <a:schemeClr val="tx1"/>
+                </a:solidFill>
+                <a:latin typeface="+mn-lt"/>
+                <a:ea typeface="+mn-ea"/>
+                <a:cs typeface="+mn-cs"/>
+              </a:defRPr>
+            </a:lvl5pPr>
+            <a:lvl6pPr marL="2514600" indent="-228600" algn="l" defTabSz="914400" rtl="0" eaLnBrk="1" latinLnBrk="1" hangingPunct="1">
+              <a:spcBef>
+                <a:spcPct val="20000"/>
+              </a:spcBef>
+              <a:buFont typeface="Arial" pitchFamily="34" charset="0"/>
+              <a:buChar char="•"/>
+              <a:defRPr sz="2000" kern="1200">
+                <a:solidFill>
+                  <a:schemeClr val="tx1"/>
+                </a:solidFill>
+                <a:latin typeface="+mn-lt"/>
+                <a:ea typeface="+mn-ea"/>
+                <a:cs typeface="+mn-cs"/>
+              </a:defRPr>
+            </a:lvl6pPr>
+            <a:lvl7pPr marL="2971800" indent="-228600" algn="l" defTabSz="914400" rtl="0" eaLnBrk="1" latinLnBrk="1" hangingPunct="1">
+              <a:spcBef>
+                <a:spcPct val="20000"/>
+              </a:spcBef>
+              <a:buFont typeface="Arial" pitchFamily="34" charset="0"/>
+              <a:buChar char="•"/>
+              <a:defRPr sz="2000" kern="1200">
+                <a:solidFill>
+                  <a:schemeClr val="tx1"/>
+                </a:solidFill>
+                <a:latin typeface="+mn-lt"/>
+                <a:ea typeface="+mn-ea"/>
+                <a:cs typeface="+mn-cs"/>
+              </a:defRPr>
+            </a:lvl7pPr>
+            <a:lvl8pPr marL="3429000" indent="-228600" algn="l" defTabSz="914400" rtl="0" eaLnBrk="1" latinLnBrk="1" hangingPunct="1">
+              <a:spcBef>
+                <a:spcPct val="20000"/>
+              </a:spcBef>
+              <a:buFont typeface="Arial" pitchFamily="34" charset="0"/>
+              <a:buChar char="•"/>
+              <a:defRPr sz="2000" kern="1200">
+                <a:solidFill>
+                  <a:schemeClr val="tx1"/>
+                </a:solidFill>
+                <a:latin typeface="+mn-lt"/>
+                <a:ea typeface="+mn-ea"/>
+                <a:cs typeface="+mn-cs"/>
+              </a:defRPr>
+            </a:lvl8pPr>
+            <a:lvl9pPr marL="3886200" indent="-228600" algn="l" defTabSz="914400" rtl="0" eaLnBrk="1" latinLnBrk="1" hangingPunct="1">
+              <a:spcBef>
+                <a:spcPct val="20000"/>
+              </a:spcBef>
+              <a:buFont typeface="Arial" pitchFamily="34" charset="0"/>
+              <a:buChar char="•"/>
+              <a:defRPr sz="2000" kern="1200">
+                <a:solidFill>
+                  <a:schemeClr val="tx1"/>
+                </a:solidFill>
+                <a:latin typeface="+mn-lt"/>
+                <a:ea typeface="+mn-ea"/>
+                <a:cs typeface="+mn-cs"/>
+              </a:defRPr>
+            </a:lvl9pPr>
+          </a:lstStyle>
+          <a:p>
+            <a:pPr marL="0" indent="0" algn="r">
+              <a:buNone/>
+            </a:pPr>
+            <a:r>
+              <a:rPr lang="en-US" altLang="ko-KR" sz="1800" b="1" dirty="0" err="1" smtClean="0">
+                <a:solidFill>
+                  <a:schemeClr val="bg1"/>
+                </a:solidFill>
+                <a:latin typeface="Andale Mono" charset="0"/>
+                <a:ea typeface="Andale Mono" charset="0"/>
+                <a:cs typeface="Andale Mono" charset="0"/>
+              </a:rPr>
+              <a:t>Otázka</a:t>
+            </a:r>
+            <a:r>
+              <a:rPr lang="en-US" altLang="ko-KR" sz="1800" b="1" dirty="0" smtClean="0">
+                <a:solidFill>
+                  <a:schemeClr val="bg1"/>
+                </a:solidFill>
+                <a:latin typeface="Andale Mono" charset="0"/>
+                <a:ea typeface="Andale Mono" charset="0"/>
+                <a:cs typeface="Andale Mono" charset="0"/>
+              </a:rPr>
+              <a:t> pro </a:t>
+            </a:r>
+            <a:br>
+              <a:rPr lang="en-US" altLang="ko-KR" sz="1800" b="1" dirty="0" smtClean="0">
+                <a:solidFill>
+                  <a:schemeClr val="bg1"/>
+                </a:solidFill>
+                <a:latin typeface="Andale Mono" charset="0"/>
+                <a:ea typeface="Andale Mono" charset="0"/>
+                <a:cs typeface="Andale Mono" charset="0"/>
+              </a:rPr>
+            </a:br>
+            <a:r>
+              <a:rPr lang="en-US" altLang="ko-KR" sz="1800" b="1" dirty="0" err="1" smtClean="0">
+                <a:solidFill>
+                  <a:schemeClr val="bg1"/>
+                </a:solidFill>
+                <a:latin typeface="Andale Mono" charset="0"/>
+                <a:ea typeface="Andale Mono" charset="0"/>
+                <a:cs typeface="Andale Mono" charset="0"/>
+              </a:rPr>
+              <a:t>vás</a:t>
+            </a:r>
+            <a:endParaRPr lang="ko-KR" altLang="en-US" sz="1800" b="1" dirty="0">
+              <a:solidFill>
+                <a:schemeClr val="bg1"/>
+              </a:solidFill>
+              <a:latin typeface="Andale Mono" charset="0"/>
+              <a:ea typeface="Andale Mono" charset="0"/>
+              <a:cs typeface="Andale Mono" charset="0"/>
+            </a:endParaRPr>
+          </a:p>
+        </p:txBody>
+      </p:sp>
+      <p:grpSp>
+        <p:nvGrpSpPr>
+          <p:cNvPr id="8" name="Skupina 7"/>
+          <p:cNvGrpSpPr/>
+          <p:nvPr/>
+        </p:nvGrpSpPr>
+        <p:grpSpPr>
+          <a:xfrm>
+            <a:off x="395536" y="4659804"/>
+            <a:ext cx="1416811" cy="432226"/>
+            <a:chOff x="7524328" y="199433"/>
+            <a:chExt cx="1416811" cy="432226"/>
+          </a:xfrm>
+        </p:grpSpPr>
+        <p:pic>
+          <p:nvPicPr>
+            <p:cNvPr id="9" name="Obrázek 8"/>
+            <p:cNvPicPr>
+              <a:picLocks noChangeAspect="1"/>
+            </p:cNvPicPr>
+            <p:nvPr/>
+          </p:nvPicPr>
+          <p:blipFill>
+            <a:blip r:embed="rId2">
+              <a:lum bright="70000" contrast="-70000"/>
+              <a:extLst>
+                <a:ext uri="{BEBA8EAE-BF5A-486C-A8C5-ECC9F3942E4B}">
+                  <a14:imgProps xmlns:a14="http://schemas.microsoft.com/office/drawing/2010/main">
+                    <a14:imgLayer r:embed="rId3">
+                      <a14:imgEffect>
+                        <a14:colorTemperature colorTemp="1500"/>
+                      </a14:imgEffect>
+                      <a14:imgEffect>
+                        <a14:saturation sat="0"/>
+                      </a14:imgEffect>
+                    </a14:imgLayer>
+                  </a14:imgProps>
+                </a:ext>
+              </a:extLst>
+            </a:blip>
+            <a:stretch>
+              <a:fillRect/>
+            </a:stretch>
+          </p:blipFill>
+          <p:spPr>
+            <a:xfrm>
+              <a:off x="8411772" y="199433"/>
+              <a:ext cx="529367" cy="360218"/>
+            </a:xfrm>
+            <a:prstGeom prst="rect">
+              <a:avLst/>
+            </a:prstGeom>
+          </p:spPr>
+        </p:pic>
+        <p:sp>
+          <p:nvSpPr>
+            <p:cNvPr id="10" name="TextovéPole 9"/>
+            <p:cNvSpPr txBox="1"/>
+            <p:nvPr/>
+          </p:nvSpPr>
+          <p:spPr>
+            <a:xfrm>
+              <a:off x="7524328" y="416215"/>
+              <a:ext cx="915635" cy="215444"/>
+            </a:xfrm>
+            <a:prstGeom prst="rect">
+              <a:avLst/>
+            </a:prstGeom>
+            <a:noFill/>
+          </p:spPr>
+          <p:txBody>
+            <a:bodyPr wrap="none" rtlCol="0">
+              <a:spAutoFit/>
+            </a:bodyPr>
+            <a:lstStyle/>
+            <a:p>
+              <a:r>
+                <a:rPr lang="cs-CZ" sz="800" b="1" smtClean="0">
+                  <a:solidFill>
+                    <a:schemeClr val="bg1"/>
+                  </a:solidFill>
+                  <a:latin typeface="Andale Mono" charset="0"/>
+                  <a:ea typeface="Andale Mono" charset="0"/>
+                  <a:cs typeface="Andale Mono" charset="0"/>
+                </a:rPr>
+                <a:t>PROGRAMOVÁNÍ</a:t>
+              </a:r>
+              <a:endParaRPr lang="cs-CZ" sz="800" b="1" dirty="0">
+                <a:solidFill>
+                  <a:schemeClr val="bg1"/>
+                </a:solidFill>
+                <a:latin typeface="Andale Mono" charset="0"/>
+                <a:ea typeface="Andale Mono" charset="0"/>
+                <a:cs typeface="Andale Mono" charset="0"/>
+              </a:endParaRPr>
+            </a:p>
+          </p:txBody>
+        </p:sp>
+      </p:grpSp>
+      <p:sp>
+        <p:nvSpPr>
+          <p:cNvPr id="18" name="TextovéPole 17"/>
+          <p:cNvSpPr txBox="1"/>
+          <p:nvPr/>
+        </p:nvSpPr>
+        <p:spPr>
+          <a:xfrm>
+            <a:off x="2483768" y="555526"/>
+            <a:ext cx="5976664" cy="584775"/>
+          </a:xfrm>
+          <a:prstGeom prst="rect">
+            <a:avLst/>
+          </a:prstGeom>
+          <a:noFill/>
+        </p:spPr>
+        <p:txBody>
+          <a:bodyPr wrap="square" rtlCol="0">
+            <a:spAutoFit/>
+          </a:bodyPr>
+          <a:lstStyle/>
+          <a:p>
+            <a:pPr latinLnBrk="0" hangingPunct="0"/>
+            <a:r>
+              <a:rPr lang="cs-CZ" sz="1600" dirty="0" smtClean="0">
+                <a:solidFill>
+                  <a:srgbClr val="AB7942"/>
+                </a:solidFill>
+                <a:latin typeface="Andale Mono" charset="0"/>
+                <a:ea typeface="Andale Mono" charset="0"/>
+                <a:cs typeface="Andale Mono" charset="0"/>
+              </a:rPr>
+              <a:t>Jakou roli by mohla hrát PWM ve spojení s RGB LED? </a:t>
+            </a:r>
+            <a:endParaRPr lang="cs-CZ" sz="1600" dirty="0">
+              <a:solidFill>
+                <a:srgbClr val="AB7942"/>
+              </a:solidFill>
+              <a:latin typeface="Andale Mono" charset="0"/>
+              <a:ea typeface="Andale Mono" charset="0"/>
+              <a:cs typeface="Andale Mono" charset="0"/>
+            </a:endParaRPr>
+          </a:p>
+        </p:txBody>
+      </p:sp>
+      <p:sp>
+        <p:nvSpPr>
+          <p:cNvPr id="11" name="TextovéPole 10"/>
+          <p:cNvSpPr txBox="1"/>
+          <p:nvPr/>
+        </p:nvSpPr>
+        <p:spPr>
+          <a:xfrm>
+            <a:off x="2555776" y="1851670"/>
+            <a:ext cx="5242164" cy="830997"/>
+          </a:xfrm>
+          <a:prstGeom prst="rect">
+            <a:avLst/>
+          </a:prstGeom>
+          <a:noFill/>
+        </p:spPr>
+        <p:txBody>
+          <a:bodyPr wrap="square" rtlCol="0">
+            <a:spAutoFit/>
+          </a:bodyPr>
+          <a:lstStyle/>
+          <a:p>
+            <a:pPr latinLnBrk="0" hangingPunct="0"/>
+            <a:r>
+              <a:rPr lang="cs-CZ" sz="1200" dirty="0" smtClean="0">
+                <a:latin typeface="Andale Mono" charset="0"/>
+                <a:ea typeface="Andale Mono" charset="0"/>
+                <a:cs typeface="Andale Mono" charset="0"/>
+              </a:rPr>
+              <a:t>PWM využijme, pokud budeme chtít plynule měnit jednotlivé barvy.</a:t>
+            </a:r>
+          </a:p>
+          <a:p>
+            <a:pPr latinLnBrk="0" hangingPunct="0"/>
+            <a:endParaRPr lang="cs-CZ" sz="1200" dirty="0">
+              <a:latin typeface="Andale Mono" charset="0"/>
+              <a:ea typeface="Andale Mono" charset="0"/>
+              <a:cs typeface="Andale Mono" charset="0"/>
+            </a:endParaRPr>
+          </a:p>
+          <a:p>
+            <a:pPr latinLnBrk="0" hangingPunct="0"/>
+            <a:r>
+              <a:rPr lang="cs-CZ" sz="1200" dirty="0" smtClean="0">
+                <a:latin typeface="Andale Mono" charset="0"/>
+                <a:ea typeface="Andale Mono" charset="0"/>
+                <a:cs typeface="Andale Mono" charset="0"/>
+              </a:rPr>
+              <a:t>Nemusíme pracovat pouze z krajními hodnotami 0 a 255.</a:t>
+            </a:r>
+            <a:endParaRPr lang="cs-CZ" sz="1200" dirty="0">
+              <a:latin typeface="Andale Mono" charset="0"/>
+              <a:ea typeface="Andale Mono" charset="0"/>
+              <a:cs typeface="Andale Mono" charset="0"/>
+            </a:endParaRPr>
+          </a:p>
+        </p:txBody>
+      </p:sp>
+      <p:sp>
+        <p:nvSpPr>
+          <p:cNvPr id="2" name="TextovéPole 1"/>
+          <p:cNvSpPr txBox="1"/>
+          <p:nvPr/>
+        </p:nvSpPr>
+        <p:spPr>
+          <a:xfrm>
+            <a:off x="3553097" y="1743891"/>
+            <a:ext cx="184731" cy="369332"/>
+          </a:xfrm>
+          <a:prstGeom prst="rect">
+            <a:avLst/>
+          </a:prstGeom>
+          <a:noFill/>
+        </p:spPr>
+        <p:txBody>
+          <a:bodyPr wrap="none" rtlCol="0">
+            <a:spAutoFit/>
+          </a:bodyPr>
+          <a:lstStyle/>
+          <a:p>
+            <a:endParaRPr lang="cs-CZ"/>
+          </a:p>
+        </p:txBody>
+      </p:sp>
+    </p:spTree>
+    <p:extLst>
+      <p:ext uri="{BB962C8B-B14F-4D97-AF65-F5344CB8AC3E}">
+        <p14:creationId xmlns:p14="http://schemas.microsoft.com/office/powerpoint/2010/main" val="495678066"/>
+      </p:ext>
+    </p:extLst>
+  </p:cSld>
+  <p:clrMapOvr>
+    <a:masterClrMapping/>
+  </p:clrMapOvr>
+  <p:timing>
+    <p:tnLst>
+      <p:par>
+        <p:cTn id="1" dur="indefinite" restart="never" nodeType="tmRoot">
+          <p:childTnLst>
+            <p:seq concurrent="1" nextAc="seek">
+              <p:cTn id="2" dur="indefinite" nodeType="mainSeq">
+                <p:childTnLst>
+                  <p:par>
+                    <p:cTn id="3" fill="hold">
+                      <p:stCondLst>
+                        <p:cond delay="indefinite"/>
+                      </p:stCondLst>
+                      <p:childTnLst>
+                        <p:par>
+                          <p:cTn id="4" fill="hold">
+                            <p:stCondLst>
+                              <p:cond delay="0"/>
+                            </p:stCondLst>
+                            <p:childTnLst>
+                              <p:par>
+                                <p:cTn id="5" presetID="3" presetClass="entr" presetSubtype="10" fill="hold" grpId="0" nodeType="clickEffect">
+                                  <p:stCondLst>
+                                    <p:cond delay="0"/>
+                                  </p:stCondLst>
+                                  <p:childTnLst>
+                                    <p:set>
+                                      <p:cBhvr>
+                                        <p:cTn id="6" dur="1" fill="hold">
+                                          <p:stCondLst>
+                                            <p:cond delay="0"/>
+                                          </p:stCondLst>
+                                        </p:cTn>
+                                        <p:tgtEl>
+                                          <p:spTgt spid="11"/>
+                                        </p:tgtEl>
+                                        <p:attrNameLst>
+                                          <p:attrName>style.visibility</p:attrName>
+                                        </p:attrNameLst>
+                                      </p:cBhvr>
+                                      <p:to>
+                                        <p:strVal val="visible"/>
+                                      </p:to>
+                                    </p:set>
+                                    <p:animEffect transition="in" filter="blinds(horizontal)">
+                                      <p:cBhvr>
+                                        <p:cTn id="7" dur="500"/>
+                                        <p:tgtEl>
+                                          <p:spTgt spid="11"/>
+                                        </p:tgtEl>
+                                      </p:cBhvr>
+                                    </p:animEffect>
+                                  </p:childTnLst>
+                                </p:cTn>
+                              </p:par>
+                            </p:childTnLst>
+                          </p:cTn>
+                        </p:par>
+                      </p:childTnLst>
+                    </p:cTn>
+                  </p:par>
+                </p:childTnLst>
+              </p:cTn>
+              <p:prevCondLst>
+                <p:cond evt="onPrev" delay="0">
+                  <p:tgtEl>
+                    <p:sldTgt/>
+                  </p:tgtEl>
+                </p:cond>
+              </p:prevCondLst>
+              <p:nextCondLst>
+                <p:cond evt="onNext" delay="0">
+                  <p:tgtEl>
+                    <p:sldTgt/>
+                  </p:tgtEl>
+                </p:cond>
+              </p:nextCondLst>
+            </p:seq>
+          </p:childTnLst>
+        </p:cTn>
+      </p:par>
+    </p:tnLst>
+    <p:bldLst>
+      <p:bldP spid="11" grpId="0"/>
+    </p:bldLst>
+  </p:timing>
+</p:sld>
+</file>
+
+<file path=ppt/slides/slide12.xml><?xml version="1.0" encoding="utf-8"?>
+<p:sld xmlns:a="http://schemas.openxmlformats.org/drawingml/2006/main" xmlns:r="http://schemas.openxmlformats.org/officeDocument/2006/relationships" xmlns:p="http://schemas.openxmlformats.org/presentationml/2006/main">
+  <p:cSld>
+    <p:spTree>
+      <p:nvGrpSpPr>
+        <p:cNvPr id="1" name=""/>
+        <p:cNvGrpSpPr/>
+        <p:nvPr/>
+      </p:nvGrpSpPr>
+      <p:grpSpPr>
+        <a:xfrm>
+          <a:off x="0" y="0"/>
+          <a:ext cx="0" cy="0"/>
+          <a:chOff x="0" y="0"/>
+          <a:chExt cx="0" cy="0"/>
+        </a:xfrm>
+      </p:grpSpPr>
+      <p:sp>
+        <p:nvSpPr>
           <p:cNvPr id="23" name="Rectangle 13"/>
           <p:cNvSpPr/>
           <p:nvPr/>
@@ -7254,14 +8513,6 @@
               </a:rPr>
               <a:t>Napište program, který bude měnit barvu RGB diody na tyrkysovou, žlutou a fialovou, vždy po 1 sekundě. </a:t>
             </a:r>
-            <a:endParaRPr lang="cs-CZ" sz="1600" dirty="0">
-              <a:solidFill>
-                <a:srgbClr val="AB7942"/>
-              </a:solidFill>
-              <a:latin typeface="Andale Mono" charset="0"/>
-              <a:ea typeface="Andale Mono" charset="0"/>
-              <a:cs typeface="Andale Mono" charset="0"/>
-            </a:endParaRPr>
           </a:p>
         </p:txBody>
       </p:sp>
@@ -7317,7 +8568,7 @@
           <a:graphicData uri="http://schemas.openxmlformats.org/presentationml/2006/ole">
             <mc:AlternateContent xmlns:mc="http://schemas.openxmlformats.org/markup-compatibility/2006">
               <mc:Choice xmlns:v="urn:schemas-microsoft-com:vml" Requires="v">
-                <p:oleObj spid="_x0000_s13556" name="Dokument" r:id="rId5" imgW="5969000" imgH="2197100" progId="Word.Document.12">
+                <p:oleObj spid="_x0000_s13579" name="Dokument" r:id="rId5" imgW="5969000" imgH="2197100" progId="Word.Document.12">
                   <p:embed/>
                 </p:oleObj>
               </mc:Choice>
@@ -7374,7 +8625,7 @@
           <a:graphicData uri="http://schemas.openxmlformats.org/presentationml/2006/ole">
             <mc:AlternateContent xmlns:mc="http://schemas.openxmlformats.org/markup-compatibility/2006">
               <mc:Choice xmlns:v="urn:schemas-microsoft-com:vml" Requires="v">
-                <p:oleObj spid="_x0000_s13557" name="Dokument" r:id="rId7" imgW="5969000" imgH="1866900" progId="Word.Document.12">
+                <p:oleObj spid="_x0000_s13580" name="Dokument" r:id="rId7" imgW="5969000" imgH="1866900" progId="Word.Document.12">
                   <p:embed/>
                 </p:oleObj>
               </mc:Choice>
@@ -7575,7 +8826,7 @@
 </p:sld>
 </file>
 
-<file path=ppt/slides/slide11.xml><?xml version="1.0" encoding="utf-8"?>
+<file path=ppt/slides/slide13.xml><?xml version="1.0" encoding="utf-8"?>
 <p:sld xmlns:a="http://schemas.openxmlformats.org/drawingml/2006/main" xmlns:r="http://schemas.openxmlformats.org/officeDocument/2006/relationships" xmlns:p="http://schemas.openxmlformats.org/presentationml/2006/main">
   <p:cSld>
     <p:spTree>
@@ -7614,7 +8865,7 @@
           <a:graphicData uri="http://schemas.openxmlformats.org/presentationml/2006/ole">
             <mc:AlternateContent xmlns:mc="http://schemas.openxmlformats.org/markup-compatibility/2006">
               <mc:Choice xmlns:v="urn:schemas-microsoft-com:vml" Requires="v">
-                <p:oleObj spid="_x0000_s23579" name="Dokument" r:id="rId3" imgW="5969000" imgH="3848100" progId="Word.Document.12">
+                <p:oleObj spid="_x0000_s23602" name="Dokument" r:id="rId3" imgW="5969000" imgH="3848100" progId="Word.Document.12">
                   <p:embed/>
                 </p:oleObj>
               </mc:Choice>
@@ -7671,7 +8922,7 @@
           <a:graphicData uri="http://schemas.openxmlformats.org/presentationml/2006/ole">
             <mc:AlternateContent xmlns:mc="http://schemas.openxmlformats.org/markup-compatibility/2006">
               <mc:Choice xmlns:v="urn:schemas-microsoft-com:vml" Requires="v">
-                <p:oleObj spid="_x0000_s23580" name="Dokument" r:id="rId5" imgW="5969000" imgH="2527300" progId="Word.Document.12">
+                <p:oleObj spid="_x0000_s23603" name="Dokument" r:id="rId5" imgW="5969000" imgH="2527300" progId="Word.Document.12">
                   <p:embed/>
                 </p:oleObj>
               </mc:Choice>
@@ -8121,14 +9372,6 @@
               </a:rPr>
               <a:t>, žlutou a fialovou. Každá barva blikne třikrát vždy po 1 sekundě. Prodleva přechodu mezi barvami bude 3 sekundy. </a:t>
             </a:r>
-            <a:endParaRPr lang="cs-CZ" sz="1600" dirty="0">
-              <a:solidFill>
-                <a:srgbClr val="AB7942"/>
-              </a:solidFill>
-              <a:latin typeface="Andale Mono" charset="0"/>
-              <a:ea typeface="Andale Mono" charset="0"/>
-              <a:cs typeface="Andale Mono" charset="0"/>
-            </a:endParaRPr>
           </a:p>
         </p:txBody>
       </p:sp>
@@ -8328,7 +9571,7 @@
 </p:sld>
 </file>
 
-<file path=ppt/slides/slide12.xml><?xml version="1.0" encoding="utf-8"?>
+<file path=ppt/slides/slide14.xml><?xml version="1.0" encoding="utf-8"?>
 <p:sld xmlns:a="http://schemas.openxmlformats.org/drawingml/2006/main" xmlns:r="http://schemas.openxmlformats.org/officeDocument/2006/relationships" xmlns:p="http://schemas.openxmlformats.org/presentationml/2006/main">
   <p:cSld>
     <p:spTree>
@@ -8738,14 +9981,6 @@
               </a:rPr>
               <a:t>Napište program, který bude plynule měnit barvy. Vymyslete jej tak, aby byly „namixovány“ postupně všechny možné odstíny.</a:t>
             </a:r>
-            <a:endParaRPr lang="cs-CZ" sz="1600" dirty="0">
-              <a:solidFill>
-                <a:srgbClr val="AB7942"/>
-              </a:solidFill>
-              <a:latin typeface="Andale Mono" charset="0"/>
-              <a:ea typeface="Andale Mono" charset="0"/>
-              <a:cs typeface="Andale Mono" charset="0"/>
-            </a:endParaRPr>
           </a:p>
         </p:txBody>
       </p:sp>
@@ -8769,7 +10004,7 @@
 </p:sld>
 </file>
 
-<file path=ppt/slides/slide13.xml><?xml version="1.0" encoding="utf-8"?>
+<file path=ppt/slides/slide15.xml><?xml version="1.0" encoding="utf-8"?>
 <p:sld xmlns:a="http://schemas.openxmlformats.org/drawingml/2006/main" xmlns:r="http://schemas.openxmlformats.org/officeDocument/2006/relationships" xmlns:p="http://schemas.openxmlformats.org/presentationml/2006/main">
   <p:cSld>
     <p:spTree>
@@ -9167,7 +10402,7 @@
           <a:graphicData uri="http://schemas.openxmlformats.org/presentationml/2006/ole">
             <mc:AlternateContent xmlns:mc="http://schemas.openxmlformats.org/markup-compatibility/2006">
               <mc:Choice xmlns:v="urn:schemas-microsoft-com:vml" Requires="v">
-                <p:oleObj spid="_x0000_s24597" name="Dokument" r:id="rId5" imgW="5575300" imgH="4368800" progId="Word.Document.12">
+                <p:oleObj spid="_x0000_s24620" name="Dokument" r:id="rId5" imgW="5575300" imgH="4368800" progId="Word.Document.12">
                   <p:embed/>
                 </p:oleObj>
               </mc:Choice>
@@ -9211,7 +10446,7 @@
           <p:nvPr>
             <p:extLst>
               <p:ext uri="{D42A27DB-BD31-4B8C-83A1-F6EECF244321}">
-                <p14:modId xmlns:p14="http://schemas.microsoft.com/office/powerpoint/2010/main" val="1247835639"/>
+                <p14:modId xmlns:p14="http://schemas.microsoft.com/office/powerpoint/2010/main" val="1796809032"/>
               </p:ext>
             </p:extLst>
           </p:nvPr>
@@ -9224,7 +10459,7 @@
           <a:graphicData uri="http://schemas.openxmlformats.org/presentationml/2006/ole">
             <mc:AlternateContent xmlns:mc="http://schemas.openxmlformats.org/markup-compatibility/2006">
               <mc:Choice xmlns:v="urn:schemas-microsoft-com:vml" Requires="v">
-                <p:oleObj spid="_x0000_s24598" name="Dokument" r:id="rId7" imgW="5575300" imgH="3822700" progId="Word.Document.12">
+                <p:oleObj spid="_x0000_s24621" name="Dokument" r:id="rId7" imgW="5575300" imgH="3822700" progId="Word.Document.12">
                   <p:embed/>
                 </p:oleObj>
               </mc:Choice>
@@ -9741,14 +10976,6 @@
               </a:rPr>
               <a:t>, nebo dokážete uhodnout na jakém principu pracuje RGB dioda?</a:t>
             </a:r>
-            <a:endParaRPr lang="cs-CZ" sz="1600" b="1" dirty="0">
-              <a:solidFill>
-                <a:srgbClr val="AB7942"/>
-              </a:solidFill>
-              <a:latin typeface="Andale Mono" charset="0"/>
-              <a:ea typeface="Andale Mono" charset="0"/>
-              <a:cs typeface="Andale Mono" charset="0"/>
-            </a:endParaRPr>
           </a:p>
         </p:txBody>
       </p:sp>
@@ -9826,11 +11053,6 @@
               </a:rPr>
               <a:t>RGB dioda ve skutečnosti představuje tři LED diody v jednom balení.</a:t>
             </a:r>
-            <a:endParaRPr lang="cs-CZ" sz="1200" dirty="0">
-              <a:latin typeface="Andale Mono" charset="0"/>
-              <a:ea typeface="Andale Mono" charset="0"/>
-              <a:cs typeface="Andale Mono" charset="0"/>
-            </a:endParaRPr>
           </a:p>
         </p:txBody>
       </p:sp>
@@ -10861,7 +12083,7 @@
           <a:graphicData uri="http://schemas.openxmlformats.org/presentationml/2006/ole">
             <mc:AlternateContent xmlns:mc="http://schemas.openxmlformats.org/markup-compatibility/2006">
               <mc:Choice xmlns:v="urn:schemas-microsoft-com:vml" Requires="v">
-                <p:oleObj spid="_x0000_s21587" name="Dokument" r:id="rId5" imgW="5969000" imgH="1727200" progId="Word.Document.12">
+                <p:oleObj spid="_x0000_s21599" name="Dokument" r:id="rId5" imgW="5969000" imgH="1727200" progId="Word.Document.12">
                   <p:embed/>
                 </p:oleObj>
               </mc:Choice>
@@ -11772,7 +12994,7 @@
           <a:graphicData uri="http://schemas.openxmlformats.org/presentationml/2006/ole">
             <mc:AlternateContent xmlns:mc="http://schemas.openxmlformats.org/markup-compatibility/2006">
               <mc:Choice xmlns:v="urn:schemas-microsoft-com:vml" Requires="v">
-                <p:oleObj spid="_x0000_s22605" name="Dokument" r:id="rId5" imgW="5575300" imgH="2032000" progId="Word.Document.12">
+                <p:oleObj spid="_x0000_s22617" name="Dokument" r:id="rId5" imgW="5575300" imgH="2032000" progId="Word.Document.12">
                   <p:embed/>
                 </p:oleObj>
               </mc:Choice>
@@ -12248,14 +13470,83 @@
               </a:rPr>
               <a:t>barvou dioda svítí, pokud je program v pořádku nahrán?</a:t>
             </a:r>
-            <a:endParaRPr lang="cs-CZ" sz="1600" dirty="0">
-              <a:solidFill>
-                <a:srgbClr val="AB7942"/>
-              </a:solidFill>
+          </a:p>
+        </p:txBody>
+      </p:sp>
+      <p:sp>
+        <p:nvSpPr>
+          <p:cNvPr id="11" name="TextovéPole 10"/>
+          <p:cNvSpPr txBox="1"/>
+          <p:nvPr/>
+        </p:nvSpPr>
+        <p:spPr>
+          <a:xfrm>
+            <a:off x="2517747" y="1879252"/>
+            <a:ext cx="5242164" cy="1384995"/>
+          </a:xfrm>
+          <a:prstGeom prst="rect">
+            <a:avLst/>
+          </a:prstGeom>
+          <a:noFill/>
+        </p:spPr>
+        <p:txBody>
+          <a:bodyPr wrap="square" rtlCol="0">
+            <a:spAutoFit/>
+          </a:bodyPr>
+          <a:lstStyle/>
+          <a:p>
+            <a:pPr latinLnBrk="0" hangingPunct="0"/>
+            <a:r>
+              <a:rPr lang="cs-CZ" sz="1200" dirty="0" smtClean="0">
+                <a:latin typeface="Andale Mono" charset="0"/>
+                <a:ea typeface="Andale Mono" charset="0"/>
+                <a:cs typeface="Andale Mono" charset="0"/>
+              </a:rPr>
+              <a:t>RGB </a:t>
+            </a:r>
+            <a:r>
+              <a:rPr lang="cs-CZ" sz="1200" dirty="0">
+                <a:latin typeface="Andale Mono" charset="0"/>
+                <a:ea typeface="Andale Mono" charset="0"/>
+                <a:cs typeface="Andale Mono" charset="0"/>
+              </a:rPr>
+              <a:t>dioda pracuje podobně jako klasické jednobarevné LED diody. Její princip lze vyčíst ze zkratky RGB, což znamená označení anglického názvu barev – červená, zelená, modrá</a:t>
+            </a:r>
+            <a:r>
+              <a:rPr lang="cs-CZ" sz="1200" dirty="0" smtClean="0">
+                <a:latin typeface="Andale Mono" charset="0"/>
+                <a:ea typeface="Andale Mono" charset="0"/>
+                <a:cs typeface="Andale Mono" charset="0"/>
+              </a:rPr>
+              <a:t>.</a:t>
+            </a:r>
+          </a:p>
+          <a:p>
+            <a:pPr latinLnBrk="0" hangingPunct="0"/>
+            <a:endParaRPr lang="cs-CZ" sz="1200" dirty="0">
               <a:latin typeface="Andale Mono" charset="0"/>
               <a:ea typeface="Andale Mono" charset="0"/>
               <a:cs typeface="Andale Mono" charset="0"/>
             </a:endParaRPr>
+          </a:p>
+          <a:p>
+            <a:pPr latinLnBrk="0" hangingPunct="0"/>
+            <a:r>
+              <a:rPr lang="cs-CZ" sz="1200" dirty="0" smtClean="0">
+                <a:latin typeface="Andale Mono" charset="0"/>
+                <a:ea typeface="Andale Mono" charset="0"/>
+                <a:cs typeface="Andale Mono" charset="0"/>
+              </a:rPr>
+              <a:t>Takže </a:t>
+            </a:r>
+            <a:r>
+              <a:rPr lang="cs-CZ" sz="1200" dirty="0">
+                <a:latin typeface="Andale Mono" charset="0"/>
+                <a:ea typeface="Andale Mono" charset="0"/>
+                <a:cs typeface="Andale Mono" charset="0"/>
+              </a:rPr>
+              <a:t>RGB dioda ve skutečnosti představuje tři LED diody v jednom balení.</a:t>
+            </a:r>
           </a:p>
         </p:txBody>
       </p:sp>
@@ -12272,9 +13563,88 @@
   <p:timing>
     <p:tnLst>
       <p:par>
-        <p:cTn id="1" dur="indefinite" restart="never" nodeType="tmRoot"/>
+        <p:cTn id="1" dur="indefinite" restart="never" nodeType="tmRoot">
+          <p:childTnLst>
+            <p:seq concurrent="1" nextAc="seek">
+              <p:cTn id="2" dur="indefinite" nodeType="mainSeq">
+                <p:childTnLst>
+                  <p:par>
+                    <p:cTn id="3" fill="hold">
+                      <p:stCondLst>
+                        <p:cond delay="indefinite"/>
+                      </p:stCondLst>
+                      <p:childTnLst>
+                        <p:par>
+                          <p:cTn id="4" fill="hold">
+                            <p:stCondLst>
+                              <p:cond delay="0"/>
+                            </p:stCondLst>
+                            <p:childTnLst>
+                              <p:par>
+                                <p:cTn id="5" presetID="3" presetClass="entr" presetSubtype="10" fill="hold" grpId="0" nodeType="clickEffect">
+                                  <p:stCondLst>
+                                    <p:cond delay="0"/>
+                                  </p:stCondLst>
+                                  <p:childTnLst>
+                                    <p:set>
+                                      <p:cBhvr>
+                                        <p:cTn id="6" dur="1" fill="hold">
+                                          <p:stCondLst>
+                                            <p:cond delay="0"/>
+                                          </p:stCondLst>
+                                        </p:cTn>
+                                        <p:tgtEl>
+                                          <p:spTgt spid="11"/>
+                                        </p:tgtEl>
+                                        <p:attrNameLst>
+                                          <p:attrName>style.visibility</p:attrName>
+                                        </p:attrNameLst>
+                                      </p:cBhvr>
+                                      <p:to>
+                                        <p:strVal val="visible"/>
+                                      </p:to>
+                                    </p:set>
+                                    <p:animEffect transition="in" filter="blinds(horizontal)">
+                                      <p:cBhvr>
+                                        <p:cTn id="7" dur="500"/>
+                                        <p:tgtEl>
+                                          <p:spTgt spid="11"/>
+                                        </p:tgtEl>
+                                      </p:cBhvr>
+                                    </p:animEffect>
+                                  </p:childTnLst>
+                                </p:cTn>
+                              </p:par>
+                            </p:childTnLst>
+                          </p:cTn>
+                        </p:par>
+                      </p:childTnLst>
+                    </p:cTn>
+                  </p:par>
+                </p:childTnLst>
+              </p:cTn>
+              <p:prevCondLst>
+                <p:cond evt="onPrev" delay="0">
+                  <p:tgtEl>
+                    <p:sldTgt/>
+                  </p:tgtEl>
+                </p:cond>
+              </p:prevCondLst>
+              <p:nextCondLst>
+                <p:cond evt="onNext" delay="0">
+                  <p:tgtEl>
+                    <p:sldTgt/>
+                  </p:tgtEl>
+                </p:cond>
+              </p:nextCondLst>
+            </p:seq>
+          </p:childTnLst>
+        </p:cTn>
       </p:par>
     </p:tnLst>
+    <p:bldLst>
+      <p:bldP spid="11" grpId="0"/>
+    </p:bldLst>
   </p:timing>
 </p:sld>
 </file>
@@ -12318,7 +13688,7 @@
           <a:graphicData uri="http://schemas.openxmlformats.org/presentationml/2006/ole">
             <mc:AlternateContent xmlns:mc="http://schemas.openxmlformats.org/markup-compatibility/2006">
               <mc:Choice xmlns:v="urn:schemas-microsoft-com:vml" Requires="v">
-                <p:oleObj spid="_x0000_s11657" name="Dokument" r:id="rId3" imgW="5969000" imgH="2362200" progId="Word.Document.12">
+                <p:oleObj spid="_x0000_s11680" name="Dokument" r:id="rId3" imgW="5969000" imgH="2362200" progId="Word.Document.12">
                   <p:embed/>
                 </p:oleObj>
               </mc:Choice>
@@ -12746,14 +14116,6 @@
               </a:rPr>
               <a:t>Napište program, který bude měnit barvu RGB diody na zelenou, červenou a modrou, vždy po 1 sekundě. </a:t>
             </a:r>
-            <a:endParaRPr lang="cs-CZ" sz="1600" dirty="0">
-              <a:solidFill>
-                <a:srgbClr val="AB7942"/>
-              </a:solidFill>
-              <a:latin typeface="Andale Mono" charset="0"/>
-              <a:ea typeface="Andale Mono" charset="0"/>
-              <a:cs typeface="Andale Mono" charset="0"/>
-            </a:endParaRPr>
           </a:p>
         </p:txBody>
       </p:sp>
@@ -12809,7 +14171,7 @@
           <a:graphicData uri="http://schemas.openxmlformats.org/presentationml/2006/ole">
             <mc:AlternateContent xmlns:mc="http://schemas.openxmlformats.org/markup-compatibility/2006">
               <mc:Choice xmlns:v="urn:schemas-microsoft-com:vml" Requires="v">
-                <p:oleObj spid="_x0000_s11658" name="Dokument" r:id="rId7" imgW="5969000" imgH="2032000" progId="Word.Document.12">
+                <p:oleObj spid="_x0000_s11681" name="Dokument" r:id="rId7" imgW="5969000" imgH="2032000" progId="Word.Document.12">
                   <p:embed/>
                 </p:oleObj>
               </mc:Choice>
@@ -13421,14 +14783,6 @@
               </a:rPr>
               <a:t>logické hodnoty LOW a HIGH na odpovídající hodnoty PWM v rozsahu 0 – 255. </a:t>
             </a:r>
-            <a:endParaRPr lang="cs-CZ" sz="1600" dirty="0">
-              <a:solidFill>
-                <a:srgbClr val="AB7942"/>
-              </a:solidFill>
-              <a:latin typeface="Andale Mono" charset="0"/>
-              <a:ea typeface="Andale Mono" charset="0"/>
-              <a:cs typeface="Andale Mono" charset="0"/>
-            </a:endParaRPr>
           </a:p>
         </p:txBody>
       </p:sp>
